--- a/project-proposal/p.ppt.pptx
+++ b/project-proposal/p.ppt.pptx
@@ -5,7 +5,7 @@
     <p:sldMasterId id="2147483713" r:id="rId1"/>
   </p:sldMasterIdLst>
   <p:notesMasterIdLst>
-    <p:notesMasterId r:id="rId18"/>
+    <p:notesMasterId r:id="rId19"/>
   </p:notesMasterIdLst>
   <p:sldIdLst>
     <p:sldId id="256" r:id="rId2"/>
@@ -16,14 +16,15 @@
     <p:sldId id="261" r:id="rId7"/>
     <p:sldId id="262" r:id="rId8"/>
     <p:sldId id="263" r:id="rId9"/>
-    <p:sldId id="264" r:id="rId10"/>
-    <p:sldId id="265" r:id="rId11"/>
-    <p:sldId id="266" r:id="rId12"/>
-    <p:sldId id="267" r:id="rId13"/>
-    <p:sldId id="268" r:id="rId14"/>
-    <p:sldId id="269" r:id="rId15"/>
-    <p:sldId id="270" r:id="rId16"/>
-    <p:sldId id="271" r:id="rId17"/>
+    <p:sldId id="275" r:id="rId10"/>
+    <p:sldId id="274" r:id="rId11"/>
+    <p:sldId id="265" r:id="rId12"/>
+    <p:sldId id="266" r:id="rId13"/>
+    <p:sldId id="267" r:id="rId14"/>
+    <p:sldId id="268" r:id="rId15"/>
+    <p:sldId id="269" r:id="rId16"/>
+    <p:sldId id="270" r:id="rId17"/>
+    <p:sldId id="271" r:id="rId18"/>
   </p:sldIdLst>
   <p:sldSz cx="12192000" cy="6858000"/>
   <p:notesSz cx="6858000" cy="9144000"/>
@@ -212,7 +213,7 @@
           <a:p>
             <a:fld id="{1DE97BBD-4E4A-4F3A-A41E-252969D0A697}" type="datetimeFigureOut">
               <a:rPr lang="en-US" smtClean="0"/>
-              <a:t>8/6/2025</a:t>
+              <a:t>8/8/2025</a:t>
             </a:fld>
             <a:endParaRPr lang="en-US"/>
           </a:p>
@@ -628,7 +629,7 @@
           <a:p>
             <a:fld id="{AFCFBD5B-9DF1-4B1C-8BF4-F8E582DD7217}" type="slidenum">
               <a:rPr lang="en-US" smtClean="0"/>
-              <a:t>10</a:t>
+              <a:t>11</a:t>
             </a:fld>
             <a:endParaRPr lang="en-US"/>
           </a:p>
@@ -712,7 +713,7 @@
           <a:p>
             <a:fld id="{AFCFBD5B-9DF1-4B1C-8BF4-F8E582DD7217}" type="slidenum">
               <a:rPr lang="en-US" smtClean="0"/>
-              <a:t>11</a:t>
+              <a:t>12</a:t>
             </a:fld>
             <a:endParaRPr lang="en-US"/>
           </a:p>
@@ -796,7 +797,7 @@
           <a:p>
             <a:fld id="{AFCFBD5B-9DF1-4B1C-8BF4-F8E582DD7217}" type="slidenum">
               <a:rPr lang="en-US" smtClean="0"/>
-              <a:t>13</a:t>
+              <a:t>14</a:t>
             </a:fld>
             <a:endParaRPr lang="en-US"/>
           </a:p>
@@ -1537,7 +1538,7 @@
           <a:p>
             <a:fld id="{84D693F1-5C69-4659-AC2D-3B8B20F1BBBB}" type="datetimeFigureOut">
               <a:rPr lang="en-US" smtClean="0"/>
-              <a:t>8/6/2025</a:t>
+              <a:t>8/8/2025</a:t>
             </a:fld>
             <a:endParaRPr lang="en-US"/>
           </a:p>
@@ -1788,7 +1789,7 @@
           <a:p>
             <a:fld id="{84D693F1-5C69-4659-AC2D-3B8B20F1BBBB}" type="datetimeFigureOut">
               <a:rPr lang="en-US" smtClean="0"/>
-              <a:t>8/6/2025</a:t>
+              <a:t>8/8/2025</a:t>
             </a:fld>
             <a:endParaRPr lang="en-US"/>
           </a:p>
@@ -2102,7 +2103,7 @@
           <a:p>
             <a:fld id="{84D693F1-5C69-4659-AC2D-3B8B20F1BBBB}" type="datetimeFigureOut">
               <a:rPr lang="en-US" smtClean="0"/>
-              <a:t>8/6/2025</a:t>
+              <a:t>8/8/2025</a:t>
             </a:fld>
             <a:endParaRPr lang="en-US"/>
           </a:p>
@@ -2443,7 +2444,7 @@
           <a:p>
             <a:fld id="{84D693F1-5C69-4659-AC2D-3B8B20F1BBBB}" type="datetimeFigureOut">
               <a:rPr lang="en-US" smtClean="0"/>
-              <a:t>8/6/2025</a:t>
+              <a:t>8/8/2025</a:t>
             </a:fld>
             <a:endParaRPr lang="en-US"/>
           </a:p>
@@ -2757,7 +2758,7 @@
           <a:p>
             <a:fld id="{84D693F1-5C69-4659-AC2D-3B8B20F1BBBB}" type="datetimeFigureOut">
               <a:rPr lang="en-US" smtClean="0"/>
-              <a:t>8/6/2025</a:t>
+              <a:t>8/8/2025</a:t>
             </a:fld>
             <a:endParaRPr lang="en-US"/>
           </a:p>
@@ -3150,7 +3151,7 @@
           <a:p>
             <a:fld id="{84D693F1-5C69-4659-AC2D-3B8B20F1BBBB}" type="datetimeFigureOut">
               <a:rPr lang="en-US" smtClean="0"/>
-              <a:t>8/6/2025</a:t>
+              <a:t>8/8/2025</a:t>
             </a:fld>
             <a:endParaRPr lang="en-US"/>
           </a:p>
@@ -3320,7 +3321,7 @@
           <a:p>
             <a:fld id="{84D693F1-5C69-4659-AC2D-3B8B20F1BBBB}" type="datetimeFigureOut">
               <a:rPr lang="en-US" smtClean="0"/>
-              <a:t>8/6/2025</a:t>
+              <a:t>8/8/2025</a:t>
             </a:fld>
             <a:endParaRPr lang="en-US"/>
           </a:p>
@@ -3500,7 +3501,7 @@
           <a:p>
             <a:fld id="{84D693F1-5C69-4659-AC2D-3B8B20F1BBBB}" type="datetimeFigureOut">
               <a:rPr lang="en-US" smtClean="0"/>
-              <a:t>8/6/2025</a:t>
+              <a:t>8/8/2025</a:t>
             </a:fld>
             <a:endParaRPr lang="en-US"/>
           </a:p>
@@ -3676,7 +3677,7 @@
           <a:p>
             <a:fld id="{84D693F1-5C69-4659-AC2D-3B8B20F1BBBB}" type="datetimeFigureOut">
               <a:rPr lang="en-US" smtClean="0"/>
-              <a:t>8/6/2025</a:t>
+              <a:t>8/8/2025</a:t>
             </a:fld>
             <a:endParaRPr lang="en-US"/>
           </a:p>
@@ -3923,7 +3924,7 @@
           <a:p>
             <a:fld id="{84D693F1-5C69-4659-AC2D-3B8B20F1BBBB}" type="datetimeFigureOut">
               <a:rPr lang="en-US" smtClean="0"/>
-              <a:t>8/6/2025</a:t>
+              <a:t>8/8/2025</a:t>
             </a:fld>
             <a:endParaRPr lang="en-US"/>
           </a:p>
@@ -4155,7 +4156,7 @@
           <a:p>
             <a:fld id="{84D693F1-5C69-4659-AC2D-3B8B20F1BBBB}" type="datetimeFigureOut">
               <a:rPr lang="en-US" smtClean="0"/>
-              <a:t>8/6/2025</a:t>
+              <a:t>8/8/2025</a:t>
             </a:fld>
             <a:endParaRPr lang="en-US"/>
           </a:p>
@@ -4529,7 +4530,7 @@
           <a:p>
             <a:fld id="{84D693F1-5C69-4659-AC2D-3B8B20F1BBBB}" type="datetimeFigureOut">
               <a:rPr lang="en-US" smtClean="0"/>
-              <a:t>8/6/2025</a:t>
+              <a:t>8/8/2025</a:t>
             </a:fld>
             <a:endParaRPr lang="en-US"/>
           </a:p>
@@ -4652,7 +4653,7 @@
           <a:p>
             <a:fld id="{84D693F1-5C69-4659-AC2D-3B8B20F1BBBB}" type="datetimeFigureOut">
               <a:rPr lang="en-US" smtClean="0"/>
-              <a:t>8/6/2025</a:t>
+              <a:t>8/8/2025</a:t>
             </a:fld>
             <a:endParaRPr lang="en-US"/>
           </a:p>
@@ -4747,7 +4748,7 @@
           <a:p>
             <a:fld id="{84D693F1-5C69-4659-AC2D-3B8B20F1BBBB}" type="datetimeFigureOut">
               <a:rPr lang="en-US" smtClean="0"/>
-              <a:t>8/6/2025</a:t>
+              <a:t>8/8/2025</a:t>
             </a:fld>
             <a:endParaRPr lang="en-US"/>
           </a:p>
@@ -5002,7 +5003,7 @@
           <a:p>
             <a:fld id="{84D693F1-5C69-4659-AC2D-3B8B20F1BBBB}" type="datetimeFigureOut">
               <a:rPr lang="en-US" smtClean="0"/>
-              <a:t>8/6/2025</a:t>
+              <a:t>8/8/2025</a:t>
             </a:fld>
             <a:endParaRPr lang="en-US"/>
           </a:p>
@@ -5265,7 +5266,7 @@
           <a:p>
             <a:fld id="{84D693F1-5C69-4659-AC2D-3B8B20F1BBBB}" type="datetimeFigureOut">
               <a:rPr lang="en-US" smtClean="0"/>
-              <a:t>8/6/2025</a:t>
+              <a:t>8/8/2025</a:t>
             </a:fld>
             <a:endParaRPr lang="en-US"/>
           </a:p>
@@ -6008,7 +6009,7 @@
           <a:p>
             <a:fld id="{84D693F1-5C69-4659-AC2D-3B8B20F1BBBB}" type="datetimeFigureOut">
               <a:rPr lang="en-US" smtClean="0"/>
-              <a:t>8/6/2025</a:t>
+              <a:t>8/8/2025</a:t>
             </a:fld>
             <a:endParaRPr lang="en-US"/>
           </a:p>
@@ -6624,8 +6625,8 @@
         </p:blipFill>
         <p:spPr>
           <a:xfrm>
-            <a:off x="914401" y="1763487"/>
-            <a:ext cx="10439400" cy="4571999"/>
+            <a:off x="3086102" y="1763487"/>
+            <a:ext cx="6095998" cy="4571999"/>
           </a:xfrm>
         </p:spPr>
       </p:pic>
@@ -6643,8 +6644,8 @@
         </p:nvSpPr>
         <p:spPr>
           <a:xfrm>
-            <a:off x="3517641" y="6192356"/>
-            <a:ext cx="6514128" cy="230832"/>
+            <a:off x="3086102" y="6335486"/>
+            <a:ext cx="6095998" cy="230832"/>
           </a:xfrm>
           <a:prstGeom prst="rect">
             <a:avLst/>
@@ -6659,7 +6660,7 @@
           <a:p>
             <a:r>
               <a:rPr lang="en-US" sz="900">
-                <a:hlinkClick r:id="rId3" tooltip="https://www.entsportslawjournal.com/article/doi/10.16997/eslj.1/"/>
+                <a:hlinkClick r:id="rId3" tooltip="https://opensource.hk/hkoscon-2015-statistics-attendance/"/>
               </a:rPr>
               <a:t>This Photo</a:t>
             </a:r>
@@ -6669,9 +6670,9 @@
             </a:r>
             <a:r>
               <a:rPr lang="en-US" sz="900">
-                <a:hlinkClick r:id="rId4" tooltip="https://creativecommons.org/licenses/by/3.0/"/>
-              </a:rPr>
-              <a:t>CC BY</a:t>
+                <a:hlinkClick r:id="rId4" tooltip="https://creativecommons.org/licenses/by-sa/3.0/"/>
+              </a:rPr>
+              <a:t>CC BY-SA</a:t>
             </a:r>
             <a:endParaRPr lang="en-US" sz="900"/>
           </a:p>
@@ -6707,6 +6708,107 @@
           <a:chExt cx="0" cy="0"/>
         </a:xfrm>
       </p:grpSpPr>
+      <p:pic>
+        <p:nvPicPr>
+          <p:cNvPr id="2" name="Picture 1">
+            <a:extLst>
+              <a:ext uri="{FF2B5EF4-FFF2-40B4-BE49-F238E27FC236}">
+                <a16:creationId xmlns:a16="http://schemas.microsoft.com/office/drawing/2014/main" id="{FAD6B939-5066-48F5-8D78-07AFCB6ADA0E}"/>
+              </a:ext>
+            </a:extLst>
+          </p:cNvPr>
+          <p:cNvPicPr>
+            <a:picLocks noChangeAspect="1"/>
+          </p:cNvPicPr>
+          <p:nvPr/>
+        </p:nvPicPr>
+        <p:blipFill>
+          <a:blip r:embed="rId2"/>
+          <a:stretch>
+            <a:fillRect/>
+          </a:stretch>
+        </p:blipFill>
+        <p:spPr>
+          <a:xfrm>
+            <a:off x="353961" y="584775"/>
+            <a:ext cx="9822426" cy="5952436"/>
+          </a:xfrm>
+          <a:prstGeom prst="rect">
+            <a:avLst/>
+          </a:prstGeom>
+        </p:spPr>
+      </p:pic>
+      <p:sp>
+        <p:nvSpPr>
+          <p:cNvPr id="3" name="TextBox 2">
+            <a:extLst>
+              <a:ext uri="{FF2B5EF4-FFF2-40B4-BE49-F238E27FC236}">
+                <a16:creationId xmlns:a16="http://schemas.microsoft.com/office/drawing/2014/main" id="{04A8D87D-F687-4973-B687-F08CD81E2671}"/>
+              </a:ext>
+            </a:extLst>
+          </p:cNvPr>
+          <p:cNvSpPr txBox="1"/>
+          <p:nvPr/>
+        </p:nvSpPr>
+        <p:spPr>
+          <a:xfrm>
+            <a:off x="353961" y="-1"/>
+            <a:ext cx="9822427" cy="584775"/>
+          </a:xfrm>
+          <a:prstGeom prst="rect">
+            <a:avLst/>
+          </a:prstGeom>
+          <a:noFill/>
+        </p:spPr>
+        <p:txBody>
+          <a:bodyPr wrap="square" rtlCol="0">
+            <a:spAutoFit/>
+          </a:bodyPr>
+          <a:lstStyle/>
+          <a:p>
+            <a:r>
+              <a:rPr lang="en-US" sz="3200" dirty="0">
+                <a:solidFill>
+                  <a:schemeClr val="accent5">
+                    <a:lumMod val="75000"/>
+                  </a:schemeClr>
+                </a:solidFill>
+              </a:rPr>
+              <a:t>                              ERD Diagram</a:t>
+            </a:r>
+          </a:p>
+        </p:txBody>
+      </p:sp>
+    </p:spTree>
+    <p:extLst>
+      <p:ext uri="{BB962C8B-B14F-4D97-AF65-F5344CB8AC3E}">
+        <p14:creationId xmlns:p14="http://schemas.microsoft.com/office/powerpoint/2010/main" val="2155983089"/>
+      </p:ext>
+    </p:extLst>
+  </p:cSld>
+  <p:clrMapOvr>
+    <a:masterClrMapping/>
+  </p:clrMapOvr>
+</p:sld>
+</file>
+
+<file path=ppt/slides/slide11.xml><?xml version="1.0" encoding="utf-8"?>
+<p:sld xmlns:a="http://schemas.openxmlformats.org/drawingml/2006/main" xmlns:r="http://schemas.openxmlformats.org/officeDocument/2006/relationships" xmlns:p="http://schemas.openxmlformats.org/presentationml/2006/main">
+  <p:cSld>
+    <p:spTree>
+      <p:nvGrpSpPr>
+        <p:cNvPr id="1" name=""/>
+        <p:cNvGrpSpPr/>
+        <p:nvPr/>
+      </p:nvGrpSpPr>
+      <p:grpSpPr>
+        <a:xfrm>
+          <a:off x="0" y="0"/>
+          <a:ext cx="0" cy="0"/>
+          <a:chOff x="0" y="0"/>
+          <a:chExt cx="0" cy="0"/>
+        </a:xfrm>
+      </p:grpSpPr>
       <p:sp>
         <p:nvSpPr>
           <p:cNvPr id="2" name="Title 1">
@@ -7139,7 +7241,7 @@
 </p:sld>
 </file>
 
-<file path=ppt/slides/slide11.xml><?xml version="1.0" encoding="utf-8"?>
+<file path=ppt/slides/slide12.xml><?xml version="1.0" encoding="utf-8"?>
 <p:sld xmlns:a="http://schemas.openxmlformats.org/drawingml/2006/main" xmlns:r="http://schemas.openxmlformats.org/officeDocument/2006/relationships" xmlns:p="http://schemas.openxmlformats.org/presentationml/2006/main">
   <p:cSld>
     <p:spTree>
@@ -7272,7 +7374,7 @@
 </p:sld>
 </file>
 
-<file path=ppt/slides/slide12.xml><?xml version="1.0" encoding="utf-8"?>
+<file path=ppt/slides/slide13.xml><?xml version="1.0" encoding="utf-8"?>
 <p:sld xmlns:a="http://schemas.openxmlformats.org/drawingml/2006/main" xmlns:r="http://schemas.openxmlformats.org/officeDocument/2006/relationships" xmlns:p="http://schemas.openxmlformats.org/presentationml/2006/main">
   <p:cSld>
     <p:spTree>
@@ -7407,7 +7509,7 @@
 </p:sld>
 </file>
 
-<file path=ppt/slides/slide13.xml><?xml version="1.0" encoding="utf-8"?>
+<file path=ppt/slides/slide14.xml><?xml version="1.0" encoding="utf-8"?>
 <p:sld xmlns:a="http://schemas.openxmlformats.org/drawingml/2006/main" xmlns:r="http://schemas.openxmlformats.org/officeDocument/2006/relationships" xmlns:p="http://schemas.openxmlformats.org/presentationml/2006/main">
   <p:cSld>
     <p:spTree>
@@ -7598,7 +7700,7 @@
 </p:sld>
 </file>
 
-<file path=ppt/slides/slide14.xml><?xml version="1.0" encoding="utf-8"?>
+<file path=ppt/slides/slide15.xml><?xml version="1.0" encoding="utf-8"?>
 <p:sld xmlns:a="http://schemas.openxmlformats.org/drawingml/2006/main" xmlns:r="http://schemas.openxmlformats.org/officeDocument/2006/relationships" xmlns:p="http://schemas.openxmlformats.org/presentationml/2006/main">
   <p:cSld>
     <p:spTree>
@@ -8258,7 +8360,7 @@
 </p:sld>
 </file>
 
-<file path=ppt/slides/slide15.xml><?xml version="1.0" encoding="utf-8"?>
+<file path=ppt/slides/slide16.xml><?xml version="1.0" encoding="utf-8"?>
 <p:sld xmlns:a="http://schemas.openxmlformats.org/drawingml/2006/main" xmlns:r="http://schemas.openxmlformats.org/officeDocument/2006/relationships" xmlns:p="http://schemas.openxmlformats.org/presentationml/2006/main">
   <p:cSld>
     <p:spTree>
@@ -8570,7 +8672,7 @@
 </p:sld>
 </file>
 
-<file path=ppt/slides/slide16.xml><?xml version="1.0" encoding="utf-8"?>
+<file path=ppt/slides/slide17.xml><?xml version="1.0" encoding="utf-8"?>
 <p:sld xmlns:a="http://schemas.openxmlformats.org/drawingml/2006/main" xmlns:r="http://schemas.openxmlformats.org/officeDocument/2006/relationships" xmlns:p="http://schemas.openxmlformats.org/presentationml/2006/main">
   <p:cSld>
     <p:spTree>
@@ -12570,10 +12672,40 @@
           <a:chExt cx="0" cy="0"/>
         </a:xfrm>
       </p:grpSpPr>
+      <p:pic>
+        <p:nvPicPr>
+          <p:cNvPr id="3" name="Picture 2">
+            <a:extLst>
+              <a:ext uri="{FF2B5EF4-FFF2-40B4-BE49-F238E27FC236}">
+                <a16:creationId xmlns:a16="http://schemas.microsoft.com/office/drawing/2014/main" id="{9C1A0CB7-DF20-60A8-619F-B71D0439BF92}"/>
+              </a:ext>
+            </a:extLst>
+          </p:cNvPr>
+          <p:cNvPicPr>
+            <a:picLocks noChangeAspect="1"/>
+          </p:cNvPicPr>
+          <p:nvPr/>
+        </p:nvPicPr>
+        <p:blipFill>
+          <a:blip r:embed="rId2"/>
+          <a:stretch>
+            <a:fillRect/>
+          </a:stretch>
+        </p:blipFill>
+        <p:spPr>
+          <a:xfrm>
+            <a:off x="1699509" y="785192"/>
+            <a:ext cx="5695204" cy="4323110"/>
+          </a:xfrm>
+          <a:prstGeom prst="rect">
+            <a:avLst/>
+          </a:prstGeom>
+        </p:spPr>
+      </p:pic>
     </p:spTree>
     <p:extLst>
       <p:ext uri="{BB962C8B-B14F-4D97-AF65-F5344CB8AC3E}">
-        <p14:creationId xmlns:p14="http://schemas.microsoft.com/office/powerpoint/2010/main" val="2294868156"/>
+        <p14:creationId xmlns:p14="http://schemas.microsoft.com/office/powerpoint/2010/main" val="1056774777"/>
       </p:ext>
     </p:extLst>
   </p:cSld>
